--- a/1 am/تنظيم المعلومات في الحاسوب 3/cours 10/عرض الدرس.pptx
+++ b/1 am/تنظيم المعلومات في الحاسوب 3/cours 10/عرض الدرس.pptx
@@ -249,7 +249,7 @@
           <a:p>
             <a:fld id="{33E46DBA-FA3B-4C5F-B700-4671668DAB72}" type="datetimeFigureOut">
               <a:rPr lang="fr-FR" smtClean="0"/>
-              <a:t>15/02/2025</a:t>
+              <a:t>17/02/2025</a:t>
             </a:fld>
             <a:endParaRPr lang="fr-FR"/>
           </a:p>
@@ -419,7 +419,7 @@
           <a:p>
             <a:fld id="{33E46DBA-FA3B-4C5F-B700-4671668DAB72}" type="datetimeFigureOut">
               <a:rPr lang="fr-FR" smtClean="0"/>
-              <a:t>15/02/2025</a:t>
+              <a:t>17/02/2025</a:t>
             </a:fld>
             <a:endParaRPr lang="fr-FR"/>
           </a:p>
@@ -599,7 +599,7 @@
           <a:p>
             <a:fld id="{33E46DBA-FA3B-4C5F-B700-4671668DAB72}" type="datetimeFigureOut">
               <a:rPr lang="fr-FR" smtClean="0"/>
-              <a:t>15/02/2025</a:t>
+              <a:t>17/02/2025</a:t>
             </a:fld>
             <a:endParaRPr lang="fr-FR"/>
           </a:p>
@@ -769,7 +769,7 @@
           <a:p>
             <a:fld id="{33E46DBA-FA3B-4C5F-B700-4671668DAB72}" type="datetimeFigureOut">
               <a:rPr lang="fr-FR" smtClean="0"/>
-              <a:t>15/02/2025</a:t>
+              <a:t>17/02/2025</a:t>
             </a:fld>
             <a:endParaRPr lang="fr-FR"/>
           </a:p>
@@ -1015,7 +1015,7 @@
           <a:p>
             <a:fld id="{33E46DBA-FA3B-4C5F-B700-4671668DAB72}" type="datetimeFigureOut">
               <a:rPr lang="fr-FR" smtClean="0"/>
-              <a:t>15/02/2025</a:t>
+              <a:t>17/02/2025</a:t>
             </a:fld>
             <a:endParaRPr lang="fr-FR"/>
           </a:p>
@@ -1247,7 +1247,7 @@
           <a:p>
             <a:fld id="{33E46DBA-FA3B-4C5F-B700-4671668DAB72}" type="datetimeFigureOut">
               <a:rPr lang="fr-FR" smtClean="0"/>
-              <a:t>15/02/2025</a:t>
+              <a:t>17/02/2025</a:t>
             </a:fld>
             <a:endParaRPr lang="fr-FR"/>
           </a:p>
@@ -1614,7 +1614,7 @@
           <a:p>
             <a:fld id="{33E46DBA-FA3B-4C5F-B700-4671668DAB72}" type="datetimeFigureOut">
               <a:rPr lang="fr-FR" smtClean="0"/>
-              <a:t>15/02/2025</a:t>
+              <a:t>17/02/2025</a:t>
             </a:fld>
             <a:endParaRPr lang="fr-FR"/>
           </a:p>
@@ -1732,7 +1732,7 @@
           <a:p>
             <a:fld id="{33E46DBA-FA3B-4C5F-B700-4671668DAB72}" type="datetimeFigureOut">
               <a:rPr lang="fr-FR" smtClean="0"/>
-              <a:t>15/02/2025</a:t>
+              <a:t>17/02/2025</a:t>
             </a:fld>
             <a:endParaRPr lang="fr-FR"/>
           </a:p>
@@ -1827,7 +1827,7 @@
           <a:p>
             <a:fld id="{33E46DBA-FA3B-4C5F-B700-4671668DAB72}" type="datetimeFigureOut">
               <a:rPr lang="fr-FR" smtClean="0"/>
-              <a:t>15/02/2025</a:t>
+              <a:t>17/02/2025</a:t>
             </a:fld>
             <a:endParaRPr lang="fr-FR"/>
           </a:p>
@@ -2104,7 +2104,7 @@
           <a:p>
             <a:fld id="{33E46DBA-FA3B-4C5F-B700-4671668DAB72}" type="datetimeFigureOut">
               <a:rPr lang="fr-FR" smtClean="0"/>
-              <a:t>15/02/2025</a:t>
+              <a:t>17/02/2025</a:t>
             </a:fld>
             <a:endParaRPr lang="fr-FR"/>
           </a:p>
@@ -2357,7 +2357,7 @@
           <a:p>
             <a:fld id="{33E46DBA-FA3B-4C5F-B700-4671668DAB72}" type="datetimeFigureOut">
               <a:rPr lang="fr-FR" smtClean="0"/>
-              <a:t>15/02/2025</a:t>
+              <a:t>17/02/2025</a:t>
             </a:fld>
             <a:endParaRPr lang="fr-FR"/>
           </a:p>
@@ -2570,7 +2570,7 @@
           <a:p>
             <a:fld id="{33E46DBA-FA3B-4C5F-B700-4671668DAB72}" type="datetimeFigureOut">
               <a:rPr lang="fr-FR" smtClean="0"/>
-              <a:t>15/02/2025</a:t>
+              <a:t>17/02/2025</a:t>
             </a:fld>
             <a:endParaRPr lang="fr-FR"/>
           </a:p>
@@ -5859,13 +5859,26 @@
               <a:buChar char="Ø"/>
             </a:pPr>
             <a:r>
+              <a:rPr lang="ar-DZ" sz="3200" dirty="0"/>
+              <a:t>أنشئ مجلد ثاني في </a:t>
+            </a:r>
+            <a:r>
               <a:rPr lang="ar-DZ" sz="3200" dirty="0" smtClean="0"/>
-              <a:t>كيف </a:t>
+              <a:t>القرص</a:t>
+            </a:r>
+            <a:r>
+              <a:rPr lang="fr-FR" sz="3200" dirty="0" smtClean="0"/>
+              <a:t>D </a:t>
+            </a:r>
+            <a:r>
+              <a:rPr lang="ar-DZ" sz="3200" smtClean="0"/>
+              <a:t> تحت </a:t>
             </a:r>
             <a:r>
               <a:rPr lang="ar-DZ" sz="3200" dirty="0"/>
-              <a:t>يمكن وضع مجلدك في المجلد الخاص بقسمكم ؟</a:t>
-            </a:r>
+              <a:t>اسم قسمك مثلا 1م1 أو 1م2 ؟</a:t>
+            </a:r>
+            <a:endParaRPr lang="ar-DZ" sz="3200" dirty="0"/>
           </a:p>
         </p:txBody>
       </p:sp>

--- a/1 am/تنظيم المعلومات في الحاسوب 3/cours 10/عرض الدرس.pptx
+++ b/1 am/تنظيم المعلومات في الحاسوب 3/cours 10/عرض الدرس.pptx
@@ -249,7 +249,7 @@
           <a:p>
             <a:fld id="{33E46DBA-FA3B-4C5F-B700-4671668DAB72}" type="datetimeFigureOut">
               <a:rPr lang="fr-FR" smtClean="0"/>
-              <a:t>17/02/2025</a:t>
+              <a:t>22/02/2025</a:t>
             </a:fld>
             <a:endParaRPr lang="fr-FR"/>
           </a:p>
@@ -419,7 +419,7 @@
           <a:p>
             <a:fld id="{33E46DBA-FA3B-4C5F-B700-4671668DAB72}" type="datetimeFigureOut">
               <a:rPr lang="fr-FR" smtClean="0"/>
-              <a:t>17/02/2025</a:t>
+              <a:t>22/02/2025</a:t>
             </a:fld>
             <a:endParaRPr lang="fr-FR"/>
           </a:p>
@@ -599,7 +599,7 @@
           <a:p>
             <a:fld id="{33E46DBA-FA3B-4C5F-B700-4671668DAB72}" type="datetimeFigureOut">
               <a:rPr lang="fr-FR" smtClean="0"/>
-              <a:t>17/02/2025</a:t>
+              <a:t>22/02/2025</a:t>
             </a:fld>
             <a:endParaRPr lang="fr-FR"/>
           </a:p>
@@ -769,7 +769,7 @@
           <a:p>
             <a:fld id="{33E46DBA-FA3B-4C5F-B700-4671668DAB72}" type="datetimeFigureOut">
               <a:rPr lang="fr-FR" smtClean="0"/>
-              <a:t>17/02/2025</a:t>
+              <a:t>22/02/2025</a:t>
             </a:fld>
             <a:endParaRPr lang="fr-FR"/>
           </a:p>
@@ -1015,7 +1015,7 @@
           <a:p>
             <a:fld id="{33E46DBA-FA3B-4C5F-B700-4671668DAB72}" type="datetimeFigureOut">
               <a:rPr lang="fr-FR" smtClean="0"/>
-              <a:t>17/02/2025</a:t>
+              <a:t>22/02/2025</a:t>
             </a:fld>
             <a:endParaRPr lang="fr-FR"/>
           </a:p>
@@ -1247,7 +1247,7 @@
           <a:p>
             <a:fld id="{33E46DBA-FA3B-4C5F-B700-4671668DAB72}" type="datetimeFigureOut">
               <a:rPr lang="fr-FR" smtClean="0"/>
-              <a:t>17/02/2025</a:t>
+              <a:t>22/02/2025</a:t>
             </a:fld>
             <a:endParaRPr lang="fr-FR"/>
           </a:p>
@@ -1614,7 +1614,7 @@
           <a:p>
             <a:fld id="{33E46DBA-FA3B-4C5F-B700-4671668DAB72}" type="datetimeFigureOut">
               <a:rPr lang="fr-FR" smtClean="0"/>
-              <a:t>17/02/2025</a:t>
+              <a:t>22/02/2025</a:t>
             </a:fld>
             <a:endParaRPr lang="fr-FR"/>
           </a:p>
@@ -1732,7 +1732,7 @@
           <a:p>
             <a:fld id="{33E46DBA-FA3B-4C5F-B700-4671668DAB72}" type="datetimeFigureOut">
               <a:rPr lang="fr-FR" smtClean="0"/>
-              <a:t>17/02/2025</a:t>
+              <a:t>22/02/2025</a:t>
             </a:fld>
             <a:endParaRPr lang="fr-FR"/>
           </a:p>
@@ -1827,7 +1827,7 @@
           <a:p>
             <a:fld id="{33E46DBA-FA3B-4C5F-B700-4671668DAB72}" type="datetimeFigureOut">
               <a:rPr lang="fr-FR" smtClean="0"/>
-              <a:t>17/02/2025</a:t>
+              <a:t>22/02/2025</a:t>
             </a:fld>
             <a:endParaRPr lang="fr-FR"/>
           </a:p>
@@ -2104,7 +2104,7 @@
           <a:p>
             <a:fld id="{33E46DBA-FA3B-4C5F-B700-4671668DAB72}" type="datetimeFigureOut">
               <a:rPr lang="fr-FR" smtClean="0"/>
-              <a:t>17/02/2025</a:t>
+              <a:t>22/02/2025</a:t>
             </a:fld>
             <a:endParaRPr lang="fr-FR"/>
           </a:p>
@@ -2357,7 +2357,7 @@
           <a:p>
             <a:fld id="{33E46DBA-FA3B-4C5F-B700-4671668DAB72}" type="datetimeFigureOut">
               <a:rPr lang="fr-FR" smtClean="0"/>
-              <a:t>17/02/2025</a:t>
+              <a:t>22/02/2025</a:t>
             </a:fld>
             <a:endParaRPr lang="fr-FR"/>
           </a:p>
@@ -2570,7 +2570,7 @@
           <a:p>
             <a:fld id="{33E46DBA-FA3B-4C5F-B700-4671668DAB72}" type="datetimeFigureOut">
               <a:rPr lang="fr-FR" smtClean="0"/>
-              <a:t>17/02/2025</a:t>
+              <a:t>22/02/2025</a:t>
             </a:fld>
             <a:endParaRPr lang="fr-FR"/>
           </a:p>
@@ -5871,14 +5871,37 @@
               <a:t>D </a:t>
             </a:r>
             <a:r>
-              <a:rPr lang="ar-DZ" sz="3200" smtClean="0"/>
+              <a:rPr lang="ar-DZ" sz="3200" dirty="0" smtClean="0"/>
               <a:t> تحت </a:t>
             </a:r>
             <a:r>
               <a:rPr lang="ar-DZ" sz="3200" dirty="0"/>
-              <a:t>اسم قسمك مثلا 1م1 أو 1م2 ؟</a:t>
-            </a:r>
-            <a:endParaRPr lang="ar-DZ" sz="3200" dirty="0"/>
+              <a:t>اسم </a:t>
+            </a:r>
+            <a:r>
+              <a:rPr lang="ar-DZ" sz="3200" dirty="0" smtClean="0"/>
+              <a:t>قسمك</a:t>
+            </a:r>
+            <a:r>
+              <a:rPr lang="fr-FR" sz="3200" dirty="0" smtClean="0"/>
+              <a:t> </a:t>
+            </a:r>
+            <a:r>
+              <a:rPr lang="ar-DZ" sz="3200" dirty="0" smtClean="0"/>
+              <a:t> و فوجك </a:t>
+            </a:r>
+            <a:r>
+              <a:rPr lang="ar-DZ" sz="3200" dirty="0"/>
+              <a:t>مثلا </a:t>
+            </a:r>
+            <a:r>
+              <a:rPr lang="ar-DZ" sz="3200" dirty="0" smtClean="0"/>
+              <a:t>1م2 فوج1 </a:t>
+            </a:r>
+            <a:r>
+              <a:rPr lang="ar-DZ" sz="3200" dirty="0"/>
+              <a:t>؟</a:t>
+            </a:r>
           </a:p>
         </p:txBody>
       </p:sp>
